--- a/exampleSite/content/images/data-import.pptx
+++ b/exampleSite/content/images/data-import.pptx
@@ -33567,9 +33567,12 @@
               </a:rPr>
               <a:t>dataframe</a:t>
             </a:r>
-            <a:endParaRPr lang="en-US" dirty="0">
-              <a:latin typeface="Fira Sans" panose="020B0503050000020004" pitchFamily="34" charset="0"/>
-            </a:endParaRPr>
+            <a:r>
+              <a:rPr lang="en-US" dirty="0">
+                <a:latin typeface="Fira Sans" panose="020B0503050000020004" pitchFamily="34" charset="0"/>
+              </a:rPr>
+              <a:t>.</a:t>
+            </a:r>
           </a:p>
           <a:p>
             <a:pPr marL="171450" indent="-171450">
@@ -38898,6 +38901,82 @@
           <a:fontRef idx="none"/>
         </p:style>
       </p:cxnSp>
+      <p:sp>
+        <p:nvSpPr>
+          <p:cNvPr id="30" name="spread(table2, type, count)">
+            <a:extLst>
+              <a:ext uri="{FF2B5EF4-FFF2-40B4-BE49-F238E27FC236}">
+                <a16:creationId xmlns:a16="http://schemas.microsoft.com/office/drawing/2014/main" id="{7E155D69-C9C5-4F25-9C8C-92D86AD2B120}"/>
+              </a:ext>
+            </a:extLst>
+          </p:cNvPr>
+          <p:cNvSpPr txBox="1"/>
+          <p:nvPr/>
+        </p:nvSpPr>
+        <p:spPr>
+          <a:xfrm>
+            <a:off x="2340113" y="3530099"/>
+            <a:ext cx="2590800" cy="333081"/>
+          </a:xfrm>
+          <a:prstGeom prst="rect">
+            <a:avLst/>
+          </a:prstGeom>
+          <a:ln w="12700">
+            <a:miter lim="400000"/>
+          </a:ln>
+          <a:extLst>
+            <a:ext uri="{C572A759-6A51-4108-AA02-DFA0A04FC94B}">
+              <ma14:wrappingTextBoxFlag xmlns:ma14="http://schemas.microsoft.com/office/mac/drawingml/2011/main" xmlns:a14="http://schemas.microsoft.com/office/drawing/2010/main" xmlns:m="http://schemas.openxmlformats.org/officeDocument/2006/math" xmlns="" val="1"/>
+            </a:ext>
+          </a:extLst>
+        </p:spPr>
+        <p:txBody>
+          <a:bodyPr lIns="54570" tIns="54570" rIns="54570" bIns="54570" anchor="ctr">
+            <a:noAutofit/>
+          </a:bodyPr>
+          <a:lstStyle>
+            <a:lvl1pPr marL="114300" indent="-114300">
+              <a:lnSpc>
+                <a:spcPct val="90000"/>
+              </a:lnSpc>
+              <a:spcBef>
+                <a:spcPts val="0"/>
+              </a:spcBef>
+              <a:defRPr sz="1300" b="0" i="1">
+                <a:solidFill>
+                  <a:schemeClr val="accent1">
+                    <a:hueOff val="47394"/>
+                    <a:satOff val="-25753"/>
+                    <a:lumOff val="-7544"/>
+                  </a:schemeClr>
+                </a:solidFill>
+              </a:defRPr>
+            </a:lvl1pPr>
+          </a:lstStyle>
+          <a:p>
+            <a:pPr algn="ctr"/>
+            <a:r>
+              <a:rPr lang="en-US" sz="1100" b="1" i="0" dirty="0">
+                <a:solidFill>
+                  <a:schemeClr val="bg2">
+                    <a:lumMod val="25000"/>
+                  </a:schemeClr>
+                </a:solidFill>
+                <a:latin typeface="Fira Sans" panose="020B0503050000020004" pitchFamily="34" charset="0"/>
+              </a:rPr>
+              <a:t>table2</a:t>
+            </a:r>
+            <a:endParaRPr sz="1100" b="1" i="0" dirty="0">
+              <a:solidFill>
+                <a:schemeClr val="bg2">
+                  <a:lumMod val="25000"/>
+                </a:schemeClr>
+              </a:solidFill>
+              <a:latin typeface="Fira Sans" panose="020B0503050000020004" pitchFamily="34" charset="0"/>
+            </a:endParaRPr>
+          </a:p>
+        </p:txBody>
+      </p:sp>
     </p:spTree>
     <p:extLst>
       <p:ext uri="{BB962C8B-B14F-4D97-AF65-F5344CB8AC3E}">
